--- a/pub/Council/Agenda2009Aug11/avery_OSG_isgtw_2009aug11.pptx
+++ b/pub/Council/Agenda2009Aug11/avery_OSG_isgtw_2009aug11.pptx
@@ -4768,12 +4768,23 @@
               <a:buNone/>
             </a:pPr>
             <a:r>
+              <a:rPr lang="en-US" sz="3600" b="1" dirty="0" smtClean="0"/>
+              <a:t>Summary of Recent </a:t>
+            </a:r>
+            <a:r>
               <a:rPr lang="en-US" sz="3600" b="1" dirty="0" err="1" smtClean="0"/>
               <a:t>iSGTW</a:t>
             </a:r>
             <a:r>
               <a:rPr lang="en-US" sz="3600" b="1" dirty="0" smtClean="0"/>
-              <a:t> Summary</a:t>
+              <a:t/>
+            </a:r>
+            <a:br>
+              <a:rPr lang="en-US" sz="3600" b="1" dirty="0" smtClean="0"/>
+            </a:br>
+            <a:r>
+              <a:rPr lang="en-US" sz="3600" b="1" dirty="0" smtClean="0"/>
+              <a:t>Activities</a:t>
             </a:r>
             <a:endParaRPr lang="en-US" sz="3600" b="1" dirty="0"/>
           </a:p>
@@ -5434,7 +5445,11 @@
           <a:p>
             <a:r>
               <a:rPr lang="en-US" dirty="0" smtClean="0"/>
-              <a:t>Recently (U.S. </a:t>
+              <a:t>Recent funding for U</a:t>
+            </a:r>
+            <a:r>
+              <a:rPr lang="en-US" dirty="0" smtClean="0"/>
+              <a:t>.S. </a:t>
             </a:r>
             <a:r>
               <a:rPr lang="en-US" dirty="0" err="1" smtClean="0"/>
@@ -5442,7 +5457,11 @@
             </a:r>
             <a:r>
               <a:rPr lang="en-US" dirty="0" smtClean="0"/>
-              <a:t> editor)</a:t>
+              <a:t> </a:t>
+            </a:r>
+            <a:r>
+              <a:rPr lang="en-US" dirty="0" smtClean="0"/>
+              <a:t>editor</a:t>
             </a:r>
           </a:p>
           <a:p>
@@ -5459,18 +5478,32 @@
               <a:rPr lang="en-US" dirty="0" smtClean="0"/>
               <a:t>) + contract work (Amelia Williamson)</a:t>
             </a:r>
-          </a:p>
-          <a:p>
+            <a:endParaRPr lang="en-US" dirty="0" smtClean="0"/>
+          </a:p>
+          <a:p>
+            <a:r>
+              <a:rPr lang="en-US" smtClean="0"/>
+              <a:t>Current funding situation</a:t>
+            </a:r>
+            <a:endParaRPr lang="en-US" dirty="0" smtClean="0"/>
+          </a:p>
+          <a:p>
+            <a:pPr lvl="1"/>
             <a:r>
               <a:rPr lang="en-US" dirty="0" smtClean="0"/>
-              <a:t>Now</a:t>
-            </a:r>
-          </a:p>
-          <a:p>
-            <a:pPr lvl="1"/>
+              <a:t>U.S. supports 1.0 FTE (Miriam Boon</a:t>
+            </a:r>
             <a:r>
               <a:rPr lang="en-US" dirty="0" smtClean="0"/>
-              <a:t>U.S. supports 1.0 FTE (Miriam Boon)</a:t>
+              <a:t>)  </a:t>
+            </a:r>
+            <a:r>
+              <a:rPr lang="en-US" dirty="0" smtClean="0">
+                <a:solidFill>
+                  <a:srgbClr val="008000"/>
+                </a:solidFill>
+              </a:rPr>
+              <a:t>Welcome!!</a:t>
             </a:r>
           </a:p>
           <a:p>
@@ -7360,10 +7393,10 @@
         </p:nvGrpSpPr>
         <p:grpSpPr>
           <a:xfrm>
-            <a:off x="830441" y="2295667"/>
-            <a:ext cx="4565317" cy="2346338"/>
-            <a:chOff x="830441" y="2295667"/>
-            <a:chExt cx="4565317" cy="2346338"/>
+            <a:off x="830441" y="2538624"/>
+            <a:ext cx="4565317" cy="2103381"/>
+            <a:chOff x="830441" y="2538624"/>
+            <a:chExt cx="4565317" cy="2103381"/>
           </a:xfrm>
         </p:grpSpPr>
         <p:sp>
@@ -7414,8 +7447,8 @@
           </p:nvSpPr>
           <p:spPr>
             <a:xfrm>
-              <a:off x="2259286" y="2295667"/>
-              <a:ext cx="1868420" cy="695575"/>
+              <a:off x="2678938" y="2538624"/>
+              <a:ext cx="1134295" cy="400110"/>
             </a:xfrm>
             <a:prstGeom prst="rect">
               <a:avLst/>
@@ -7430,22 +7463,7 @@
             <a:p>
               <a:r>
                 <a:rPr lang="en-US" dirty="0" smtClean="0"/>
-                <a:t>You </a:t>
-              </a:r>
-              <a:r>
-                <a:rPr lang="en-US" dirty="0" err="1" smtClean="0"/>
-                <a:t>gotta</a:t>
-              </a:r>
-              <a:r>
-                <a:rPr lang="en-US" dirty="0" smtClean="0"/>
-                <a:t/>
-              </a:r>
-              <a:br>
-                <a:rPr lang="en-US" dirty="0" smtClean="0"/>
-              </a:br>
-              <a:r>
-                <a:rPr lang="en-US" dirty="0" smtClean="0"/>
-                <a:t>be kidding…</a:t>
+                <a:t>Really?</a:t>
               </a:r>
               <a:endParaRPr lang="en-US" dirty="0"/>
             </a:p>
